--- a/PracticeWebApp/WebContent/WEB-INF/document/OJT課題の仕様書.pptx
+++ b/PracticeWebApp/WebContent/WEB-INF/document/OJT課題の仕様書.pptx
@@ -139,10 +139,6 @@
 </p:presentation>
 </file>
 
-<file path=ppt/revisionInfo.xml><?xml version="1.0" encoding="utf-8"?>
-<p1510:revInfo xmlns:a="http://schemas.openxmlformats.org/drawingml/2006/main" xmlns:r="http://schemas.openxmlformats.org/officeDocument/2006/relationships" xmlns:p1510="http://schemas.microsoft.com/office/powerpoint/2015/10/main"/>
-</file>
-
 <file path=ppt/handoutMasters/handoutMaster1.xml><?xml version="1.0" encoding="utf-8"?>
 <p:handoutMaster xmlns:a="http://schemas.openxmlformats.org/drawingml/2006/main" xmlns:r="http://schemas.openxmlformats.org/officeDocument/2006/relationships" xmlns:p="http://schemas.openxmlformats.org/presentationml/2006/main">
   <p:cSld>
@@ -225,7 +221,7 @@
           <a:p>
             <a:fld id="{A33D3AC4-C662-4DF3-9670-A9F51BE8179B}" type="datetimeFigureOut">
               <a:rPr kumimoji="1" lang="ja-JP" altLang="en-US" smtClean="0"/>
-              <a:t>2017/12/28</a:t>
+              <a:t>2019/6/19</a:t>
             </a:fld>
             <a:endParaRPr kumimoji="1" lang="ja-JP" altLang="en-US"/>
           </a:p>
@@ -390,7 +386,7 @@
           <a:p>
             <a:fld id="{BA4D8D54-F767-4B87-84F4-54B4928AC071}" type="datetimeFigureOut">
               <a:rPr kumimoji="1" lang="ja-JP" altLang="en-US" smtClean="0"/>
-              <a:t>2017/12/28</a:t>
+              <a:t>2019/6/19</a:t>
             </a:fld>
             <a:endParaRPr kumimoji="1" lang="ja-JP" altLang="en-US"/>
           </a:p>
@@ -868,7 +864,7 @@
           <a:p>
             <a:fld id="{36B86872-55A0-49C1-B9D2-1FF773F585F8}" type="datetimeFigureOut">
               <a:rPr kumimoji="1" lang="ja-JP" altLang="en-US" smtClean="0"/>
-              <a:t>2017/12/28</a:t>
+              <a:t>2019/6/19</a:t>
             </a:fld>
             <a:endParaRPr kumimoji="1" lang="ja-JP" altLang="en-US"/>
           </a:p>
@@ -1068,7 +1064,7 @@
           <a:p>
             <a:fld id="{36B86872-55A0-49C1-B9D2-1FF773F585F8}" type="datetimeFigureOut">
               <a:rPr kumimoji="1" lang="ja-JP" altLang="en-US" smtClean="0"/>
-              <a:t>2017/12/28</a:t>
+              <a:t>2019/6/19</a:t>
             </a:fld>
             <a:endParaRPr kumimoji="1" lang="ja-JP" altLang="en-US"/>
           </a:p>
@@ -1278,7 +1274,7 @@
           <a:p>
             <a:fld id="{36B86872-55A0-49C1-B9D2-1FF773F585F8}" type="datetimeFigureOut">
               <a:rPr kumimoji="1" lang="ja-JP" altLang="en-US" smtClean="0"/>
-              <a:t>2017/12/28</a:t>
+              <a:t>2019/6/19</a:t>
             </a:fld>
             <a:endParaRPr kumimoji="1" lang="ja-JP" altLang="en-US"/>
           </a:p>
@@ -1478,7 +1474,7 @@
           <a:p>
             <a:fld id="{36B86872-55A0-49C1-B9D2-1FF773F585F8}" type="datetimeFigureOut">
               <a:rPr kumimoji="1" lang="ja-JP" altLang="en-US" smtClean="0"/>
-              <a:t>2017/12/28</a:t>
+              <a:t>2019/6/19</a:t>
             </a:fld>
             <a:endParaRPr kumimoji="1" lang="ja-JP" altLang="en-US"/>
           </a:p>
@@ -1723,7 +1719,7 @@
           <a:p>
             <a:fld id="{36B86872-55A0-49C1-B9D2-1FF773F585F8}" type="datetimeFigureOut">
               <a:rPr kumimoji="1" lang="ja-JP" altLang="en-US" smtClean="0"/>
-              <a:t>2017/12/28</a:t>
+              <a:t>2019/6/19</a:t>
             </a:fld>
             <a:endParaRPr kumimoji="1" lang="ja-JP" altLang="en-US"/>
           </a:p>
@@ -2072,7 +2068,7 @@
           <a:p>
             <a:fld id="{36B86872-55A0-49C1-B9D2-1FF773F585F8}" type="datetimeFigureOut">
               <a:rPr kumimoji="1" lang="ja-JP" altLang="en-US" smtClean="0"/>
-              <a:t>2017/12/28</a:t>
+              <a:t>2019/6/19</a:t>
             </a:fld>
             <a:endParaRPr kumimoji="1" lang="ja-JP" altLang="en-US"/>
           </a:p>
@@ -2555,7 +2551,7 @@
           <a:p>
             <a:fld id="{36B86872-55A0-49C1-B9D2-1FF773F585F8}" type="datetimeFigureOut">
               <a:rPr kumimoji="1" lang="ja-JP" altLang="en-US" smtClean="0"/>
-              <a:t>2017/12/28</a:t>
+              <a:t>2019/6/19</a:t>
             </a:fld>
             <a:endParaRPr kumimoji="1" lang="ja-JP" altLang="en-US"/>
           </a:p>
@@ -2672,7 +2668,7 @@
           <a:p>
             <a:fld id="{36B86872-55A0-49C1-B9D2-1FF773F585F8}" type="datetimeFigureOut">
               <a:rPr kumimoji="1" lang="ja-JP" altLang="en-US" smtClean="0"/>
-              <a:t>2017/12/28</a:t>
+              <a:t>2019/6/19</a:t>
             </a:fld>
             <a:endParaRPr kumimoji="1" lang="ja-JP" altLang="en-US"/>
           </a:p>
@@ -2767,7 +2763,7 @@
           <a:p>
             <a:fld id="{36B86872-55A0-49C1-B9D2-1FF773F585F8}" type="datetimeFigureOut">
               <a:rPr kumimoji="1" lang="ja-JP" altLang="en-US" smtClean="0"/>
-              <a:t>2017/12/28</a:t>
+              <a:t>2019/6/19</a:t>
             </a:fld>
             <a:endParaRPr kumimoji="1" lang="ja-JP" altLang="en-US"/>
           </a:p>
@@ -3074,7 +3070,7 @@
           <a:p>
             <a:fld id="{36B86872-55A0-49C1-B9D2-1FF773F585F8}" type="datetimeFigureOut">
               <a:rPr kumimoji="1" lang="ja-JP" altLang="en-US" smtClean="0"/>
-              <a:t>2017/12/28</a:t>
+              <a:t>2019/6/19</a:t>
             </a:fld>
             <a:endParaRPr kumimoji="1" lang="ja-JP" altLang="en-US"/>
           </a:p>
@@ -3326,7 +3322,7 @@
           <a:p>
             <a:fld id="{36B86872-55A0-49C1-B9D2-1FF773F585F8}" type="datetimeFigureOut">
               <a:rPr kumimoji="1" lang="ja-JP" altLang="en-US" smtClean="0"/>
-              <a:t>2017/12/28</a:t>
+              <a:t>2019/6/19</a:t>
             </a:fld>
             <a:endParaRPr kumimoji="1" lang="ja-JP" altLang="en-US"/>
           </a:p>
@@ -3569,7 +3565,7 @@
           <a:p>
             <a:fld id="{36B86872-55A0-49C1-B9D2-1FF773F585F8}" type="datetimeFigureOut">
               <a:rPr kumimoji="1" lang="ja-JP" altLang="en-US" smtClean="0"/>
-              <a:t>2017/12/28</a:t>
+              <a:t>2019/6/19</a:t>
             </a:fld>
             <a:endParaRPr kumimoji="1" lang="ja-JP" altLang="en-US"/>
           </a:p>
@@ -4063,7 +4059,7 @@
         </p:spPr>
         <p:txBody>
           <a:bodyPr>
-            <a:normAutofit fontScale="85000" lnSpcReduction="20000"/>
+            <a:normAutofit fontScale="92500" lnSpcReduction="20000"/>
           </a:bodyPr>
           <a:lstStyle/>
           <a:p>
@@ -4234,7 +4230,14 @@
             </a:br>
             <a:r>
               <a:rPr lang="ja-JP" altLang="en-US" sz="2000" dirty="0"/>
-              <a:t>（スクリプトレットは、可読性が落ちるので極力さけてください。）</a:t>
+              <a:t>スクリプトレットは、可読性が落ちるので極力さけてください。</a:t>
+            </a:r>
+            <a:endParaRPr lang="en-US" altLang="ja-JP" sz="2000" dirty="0"/>
+          </a:p>
+          <a:p>
+            <a:r>
+              <a:rPr lang="ja-JP" altLang="en-US" sz="2000" dirty="0"/>
+              <a:t>フロントエンド開発の課題ではないためデザインはこだわらなくてよいです。</a:t>
             </a:r>
             <a:endParaRPr lang="en-US" altLang="ja-JP" sz="2000" dirty="0"/>
           </a:p>
@@ -4264,25 +4267,15 @@
           <a:p>
             <a:r>
               <a:rPr lang="ja-JP" altLang="en-US" sz="2000" dirty="0"/>
-              <a:t>コメントは適切な頻度で書いてください。ある程度、知ってる人前提に見せるものとして、懇切丁寧・冗長には書かなくても良いです。ただし、「読めるコード」にはしてください。</a:t>
-            </a:r>
-            <a:endParaRPr lang="en-US" altLang="ja-JP" sz="2000" dirty="0"/>
-          </a:p>
-          <a:p>
+              <a:t>コメントは適切な頻度で書いてください。ある程度、</a:t>
+            </a:r>
             <a:r>
               <a:rPr lang="en-US" altLang="ja-JP" sz="2000" dirty="0"/>
-              <a:t>JSP</a:t>
+              <a:t>Java</a:t>
             </a:r>
             <a:r>
               <a:rPr lang="ja-JP" altLang="en-US" sz="2000" dirty="0"/>
-              <a:t>の見た目・デザインは、こだわらなくて良いです。</a:t>
-            </a:r>
-            <a:br>
-              <a:rPr lang="en-US" altLang="ja-JP" sz="2000" dirty="0"/>
-            </a:br>
-            <a:r>
-              <a:rPr lang="ja-JP" altLang="en-US" sz="2000" dirty="0"/>
-              <a:t>ただし、「読めるコード」にはしてください。</a:t>
+              <a:t>を知ってる人を前提に見せるものとして、懇切丁寧・冗長には書かなくても良いです。</a:t>
             </a:r>
             <a:endParaRPr lang="en-US" altLang="ja-JP" sz="2000" dirty="0"/>
           </a:p>
@@ -4297,13 +4290,6 @@
             <a:r>
               <a:rPr kumimoji="1" lang="ja-JP" altLang="en-US" sz="2000" dirty="0"/>
               <a:t>動作確認をして、仕様通り動くものを提出してください。</a:t>
-            </a:r>
-            <a:br>
-              <a:rPr kumimoji="1" lang="en-US" altLang="ja-JP" sz="2000" dirty="0"/>
-            </a:br>
-            <a:r>
-              <a:rPr kumimoji="1" lang="ja-JP" altLang="en-US" sz="2000" dirty="0"/>
-              <a:t>（中途半端でもＯＫになったらトレーニングにならないので）</a:t>
             </a:r>
           </a:p>
         </p:txBody>
@@ -4372,7 +4358,9 @@
         </p:nvSpPr>
         <p:spPr/>
         <p:txBody>
-          <a:bodyPr/>
+          <a:bodyPr>
+            <a:normAutofit fontScale="92500" lnSpcReduction="20000"/>
+          </a:bodyPr>
           <a:lstStyle/>
           <a:p>
             <a:r>
@@ -4450,7 +4438,26 @@
             <a:pPr lvl="1"/>
             <a:r>
               <a:rPr lang="ja-JP" altLang="en-US" dirty="0"/>
-              <a:t>解答例をお渡しするので申し出てください</a:t>
+              <a:t>以下に解答例を掲載しています。</a:t>
+            </a:r>
+            <a:endParaRPr lang="en-US" altLang="ja-JP" dirty="0">
+              <a:hlinkClick r:id="rId3"/>
+            </a:endParaRPr>
+          </a:p>
+          <a:p>
+            <a:pPr lvl="1"/>
+            <a:r>
+              <a:rPr lang="en-US" altLang="ja-JP" dirty="0">
+                <a:hlinkClick r:id="rId3"/>
+              </a:rPr>
+              <a:t>https://github.com/konbukonbu/mywork</a:t>
+            </a:r>
+            <a:br>
+              <a:rPr lang="en-US" altLang="ja-JP" dirty="0"/>
+            </a:br>
+            <a:r>
+              <a:rPr lang="en-US" altLang="ja-JP" dirty="0" err="1"/>
+              <a:t>PracticeWebApp</a:t>
             </a:r>
             <a:endParaRPr lang="en-US" altLang="ja-JP" dirty="0"/>
           </a:p>
@@ -4465,7 +4472,14 @@
             <a:pPr lvl="1"/>
             <a:r>
               <a:rPr lang="ja-JP" altLang="en-US" dirty="0"/>
-              <a:t>会社の正式な課題ではないので業務外時間で実装してください。</a:t>
+              <a:t>会社の正式な課題ではないので、原則、</a:t>
+            </a:r>
+            <a:br>
+              <a:rPr lang="en-US" altLang="ja-JP" dirty="0"/>
+            </a:br>
+            <a:r>
+              <a:rPr lang="ja-JP" altLang="en-US" dirty="0"/>
+              <a:t>業務外時間で実装してください。</a:t>
             </a:r>
             <a:endParaRPr kumimoji="1" lang="ja-JP" altLang="en-US" dirty="0"/>
           </a:p>

--- a/PracticeWebApp/WebContent/WEB-INF/document/OJT課題の仕様書.pptx
+++ b/PracticeWebApp/WebContent/WEB-INF/document/OJT課題の仕様書.pptx
@@ -221,7 +221,7 @@
           <a:p>
             <a:fld id="{A33D3AC4-C662-4DF3-9670-A9F51BE8179B}" type="datetimeFigureOut">
               <a:rPr kumimoji="1" lang="ja-JP" altLang="en-US" smtClean="0"/>
-              <a:t>2019/6/19</a:t>
+              <a:t>2022/8/12</a:t>
             </a:fld>
             <a:endParaRPr kumimoji="1" lang="ja-JP" altLang="en-US"/>
           </a:p>
@@ -386,7 +386,7 @@
           <a:p>
             <a:fld id="{BA4D8D54-F767-4B87-84F4-54B4928AC071}" type="datetimeFigureOut">
               <a:rPr kumimoji="1" lang="ja-JP" altLang="en-US" smtClean="0"/>
-              <a:t>2019/6/19</a:t>
+              <a:t>2022/8/12</a:t>
             </a:fld>
             <a:endParaRPr kumimoji="1" lang="ja-JP" altLang="en-US"/>
           </a:p>
@@ -685,6 +685,105 @@
 </p:notesMaster>
 </file>
 
+<file path=ppt/notesSlides/notesSlide1.xml><?xml version="1.0" encoding="utf-8"?>
+<p:notes xmlns:a="http://schemas.openxmlformats.org/drawingml/2006/main" xmlns:r="http://schemas.openxmlformats.org/officeDocument/2006/relationships" xmlns:p="http://schemas.openxmlformats.org/presentationml/2006/main">
+  <p:cSld>
+    <p:spTree>
+      <p:nvGrpSpPr>
+        <p:cNvPr id="1" name=""/>
+        <p:cNvGrpSpPr/>
+        <p:nvPr/>
+      </p:nvGrpSpPr>
+      <p:grpSpPr>
+        <a:xfrm>
+          <a:off x="0" y="0"/>
+          <a:ext cx="0" cy="0"/>
+          <a:chOff x="0" y="0"/>
+          <a:chExt cx="0" cy="0"/>
+        </a:xfrm>
+      </p:grpSpPr>
+      <p:sp>
+        <p:nvSpPr>
+          <p:cNvPr id="2" name="スライド イメージ プレースホルダー 1"/>
+          <p:cNvSpPr>
+            <a:spLocks noGrp="1" noRot="1" noChangeAspect="1"/>
+          </p:cNvSpPr>
+          <p:nvPr>
+            <p:ph type="sldImg"/>
+          </p:nvPr>
+        </p:nvSpPr>
+        <p:spPr/>
+      </p:sp>
+      <p:sp>
+        <p:nvSpPr>
+          <p:cNvPr id="3" name="ノート プレースホルダー 2"/>
+          <p:cNvSpPr>
+            <a:spLocks noGrp="1"/>
+          </p:cNvSpPr>
+          <p:nvPr>
+            <p:ph type="body" idx="1"/>
+          </p:nvPr>
+        </p:nvSpPr>
+        <p:spPr/>
+        <p:txBody>
+          <a:bodyPr/>
+          <a:lstStyle/>
+          <a:p>
+            <a:r>
+              <a:rPr kumimoji="1" lang="ja-JP" altLang="en-US" dirty="0"/>
+              <a:t>目安実装時間を大きく超過する場合は、練習不足（コーディング経験不足）の可能性大</a:t>
+            </a:r>
+            <a:endParaRPr kumimoji="1" lang="en-US" altLang="ja-JP" dirty="0"/>
+          </a:p>
+          <a:p>
+            <a:r>
+              <a:rPr kumimoji="1" lang="ja-JP" altLang="en-US" dirty="0"/>
+              <a:t>ひたすら練習してください</a:t>
+            </a:r>
+            <a:r>
+              <a:rPr kumimoji="1" lang="en-US" altLang="ja-JP" dirty="0"/>
+              <a:t>(;´Д`A ```</a:t>
+            </a:r>
+            <a:endParaRPr kumimoji="1" lang="ja-JP" altLang="en-US" dirty="0"/>
+          </a:p>
+        </p:txBody>
+      </p:sp>
+      <p:sp>
+        <p:nvSpPr>
+          <p:cNvPr id="4" name="スライド番号プレースホルダー 3"/>
+          <p:cNvSpPr>
+            <a:spLocks noGrp="1"/>
+          </p:cNvSpPr>
+          <p:nvPr>
+            <p:ph type="sldNum" sz="quarter" idx="5"/>
+          </p:nvPr>
+        </p:nvSpPr>
+        <p:spPr/>
+        <p:txBody>
+          <a:bodyPr/>
+          <a:lstStyle/>
+          <a:p>
+            <a:fld id="{90F7AB1B-E606-4DA0-BAB7-E1AA25C8026E}" type="slidenum">
+              <a:rPr kumimoji="1" lang="ja-JP" altLang="en-US" smtClean="0"/>
+              <a:t>2</a:t>
+            </a:fld>
+            <a:endParaRPr kumimoji="1" lang="ja-JP" altLang="en-US"/>
+          </a:p>
+        </p:txBody>
+      </p:sp>
+    </p:spTree>
+    <p:extLst>
+      <p:ext uri="{BB962C8B-B14F-4D97-AF65-F5344CB8AC3E}">
+        <p14:creationId xmlns:p14="http://schemas.microsoft.com/office/powerpoint/2010/main" val="2208364979"/>
+      </p:ext>
+    </p:extLst>
+  </p:cSld>
+  <p:clrMapOvr>
+    <a:masterClrMapping/>
+  </p:clrMapOvr>
+</p:notes>
+</file>
+
 <file path=ppt/slideLayouts/slideLayout1.xml><?xml version="1.0" encoding="utf-8"?>
 <p:sldLayout xmlns:a="http://schemas.openxmlformats.org/drawingml/2006/main" xmlns:r="http://schemas.openxmlformats.org/officeDocument/2006/relationships" xmlns:p="http://schemas.openxmlformats.org/presentationml/2006/main" type="title" preserve="1">
   <p:cSld name="タイトル スライド">
@@ -864,7 +963,7 @@
           <a:p>
             <a:fld id="{36B86872-55A0-49C1-B9D2-1FF773F585F8}" type="datetimeFigureOut">
               <a:rPr kumimoji="1" lang="ja-JP" altLang="en-US" smtClean="0"/>
-              <a:t>2019/6/19</a:t>
+              <a:t>2022/8/12</a:t>
             </a:fld>
             <a:endParaRPr kumimoji="1" lang="ja-JP" altLang="en-US"/>
           </a:p>
@@ -1064,7 +1163,7 @@
           <a:p>
             <a:fld id="{36B86872-55A0-49C1-B9D2-1FF773F585F8}" type="datetimeFigureOut">
               <a:rPr kumimoji="1" lang="ja-JP" altLang="en-US" smtClean="0"/>
-              <a:t>2019/6/19</a:t>
+              <a:t>2022/8/12</a:t>
             </a:fld>
             <a:endParaRPr kumimoji="1" lang="ja-JP" altLang="en-US"/>
           </a:p>
@@ -1274,7 +1373,7 @@
           <a:p>
             <a:fld id="{36B86872-55A0-49C1-B9D2-1FF773F585F8}" type="datetimeFigureOut">
               <a:rPr kumimoji="1" lang="ja-JP" altLang="en-US" smtClean="0"/>
-              <a:t>2019/6/19</a:t>
+              <a:t>2022/8/12</a:t>
             </a:fld>
             <a:endParaRPr kumimoji="1" lang="ja-JP" altLang="en-US"/>
           </a:p>
@@ -1474,7 +1573,7 @@
           <a:p>
             <a:fld id="{36B86872-55A0-49C1-B9D2-1FF773F585F8}" type="datetimeFigureOut">
               <a:rPr kumimoji="1" lang="ja-JP" altLang="en-US" smtClean="0"/>
-              <a:t>2019/6/19</a:t>
+              <a:t>2022/8/12</a:t>
             </a:fld>
             <a:endParaRPr kumimoji="1" lang="ja-JP" altLang="en-US"/>
           </a:p>
@@ -1719,7 +1818,7 @@
           <a:p>
             <a:fld id="{36B86872-55A0-49C1-B9D2-1FF773F585F8}" type="datetimeFigureOut">
               <a:rPr kumimoji="1" lang="ja-JP" altLang="en-US" smtClean="0"/>
-              <a:t>2019/6/19</a:t>
+              <a:t>2022/8/12</a:t>
             </a:fld>
             <a:endParaRPr kumimoji="1" lang="ja-JP" altLang="en-US"/>
           </a:p>
@@ -2068,7 +2167,7 @@
           <a:p>
             <a:fld id="{36B86872-55A0-49C1-B9D2-1FF773F585F8}" type="datetimeFigureOut">
               <a:rPr kumimoji="1" lang="ja-JP" altLang="en-US" smtClean="0"/>
-              <a:t>2019/6/19</a:t>
+              <a:t>2022/8/12</a:t>
             </a:fld>
             <a:endParaRPr kumimoji="1" lang="ja-JP" altLang="en-US"/>
           </a:p>
@@ -2551,7 +2650,7 @@
           <a:p>
             <a:fld id="{36B86872-55A0-49C1-B9D2-1FF773F585F8}" type="datetimeFigureOut">
               <a:rPr kumimoji="1" lang="ja-JP" altLang="en-US" smtClean="0"/>
-              <a:t>2019/6/19</a:t>
+              <a:t>2022/8/12</a:t>
             </a:fld>
             <a:endParaRPr kumimoji="1" lang="ja-JP" altLang="en-US"/>
           </a:p>
@@ -2668,7 +2767,7 @@
           <a:p>
             <a:fld id="{36B86872-55A0-49C1-B9D2-1FF773F585F8}" type="datetimeFigureOut">
               <a:rPr kumimoji="1" lang="ja-JP" altLang="en-US" smtClean="0"/>
-              <a:t>2019/6/19</a:t>
+              <a:t>2022/8/12</a:t>
             </a:fld>
             <a:endParaRPr kumimoji="1" lang="ja-JP" altLang="en-US"/>
           </a:p>
@@ -2763,7 +2862,7 @@
           <a:p>
             <a:fld id="{36B86872-55A0-49C1-B9D2-1FF773F585F8}" type="datetimeFigureOut">
               <a:rPr kumimoji="1" lang="ja-JP" altLang="en-US" smtClean="0"/>
-              <a:t>2019/6/19</a:t>
+              <a:t>2022/8/12</a:t>
             </a:fld>
             <a:endParaRPr kumimoji="1" lang="ja-JP" altLang="en-US"/>
           </a:p>
@@ -3070,7 +3169,7 @@
           <a:p>
             <a:fld id="{36B86872-55A0-49C1-B9D2-1FF773F585F8}" type="datetimeFigureOut">
               <a:rPr kumimoji="1" lang="ja-JP" altLang="en-US" smtClean="0"/>
-              <a:t>2019/6/19</a:t>
+              <a:t>2022/8/12</a:t>
             </a:fld>
             <a:endParaRPr kumimoji="1" lang="ja-JP" altLang="en-US"/>
           </a:p>
@@ -3322,7 +3421,7 @@
           <a:p>
             <a:fld id="{36B86872-55A0-49C1-B9D2-1FF773F585F8}" type="datetimeFigureOut">
               <a:rPr kumimoji="1" lang="ja-JP" altLang="en-US" smtClean="0"/>
-              <a:t>2019/6/19</a:t>
+              <a:t>2022/8/12</a:t>
             </a:fld>
             <a:endParaRPr kumimoji="1" lang="ja-JP" altLang="en-US"/>
           </a:p>
@@ -3565,7 +3664,7 @@
           <a:p>
             <a:fld id="{36B86872-55A0-49C1-B9D2-1FF773F585F8}" type="datetimeFigureOut">
               <a:rPr kumimoji="1" lang="ja-JP" altLang="en-US" smtClean="0"/>
-              <a:t>2019/6/19</a:t>
+              <a:t>2022/8/12</a:t>
             </a:fld>
             <a:endParaRPr kumimoji="1" lang="ja-JP" altLang="en-US"/>
           </a:p>
@@ -3952,12 +4051,14 @@
         </p:nvSpPr>
         <p:spPr/>
         <p:txBody>
-          <a:bodyPr/>
+          <a:bodyPr>
+            <a:normAutofit fontScale="90000"/>
+          </a:bodyPr>
           <a:lstStyle/>
           <a:p>
             <a:r>
               <a:rPr kumimoji="1" lang="ja-JP" altLang="en-US" dirty="0"/>
-              <a:t>トレーニング用課題の仕様書</a:t>
+              <a:t>自主トレーニング用課題の仕様書</a:t>
             </a:r>
             <a:br>
               <a:rPr kumimoji="1" lang="en-US" altLang="ja-JP" dirty="0"/>
@@ -3985,7 +4086,15 @@
           <a:bodyPr/>
           <a:lstStyle/>
           <a:p>
-            <a:endParaRPr kumimoji="1" lang="ja-JP" altLang="en-US"/>
+            <a:r>
+              <a:rPr kumimoji="1" lang="ja-JP" altLang="en-US" dirty="0"/>
+              <a:t>作者：あっちー</a:t>
+            </a:r>
+            <a:r>
+              <a:rPr lang="ja-JP" altLang="en-US" dirty="0"/>
+              <a:t>🐧</a:t>
+            </a:r>
+            <a:endParaRPr kumimoji="1" lang="ja-JP" altLang="en-US" dirty="0"/>
           </a:p>
         </p:txBody>
       </p:sp>
@@ -4237,7 +4346,7 @@
           <a:p>
             <a:r>
               <a:rPr lang="ja-JP" altLang="en-US" sz="2000" dirty="0"/>
-              <a:t>フロントエンド開発の課題ではないためデザインはこだわらなくてよいです。</a:t>
+              <a:t>フロントエンド開発の課題ではない（主にバックエンド）ためデザインはこだわらなくてよいです。</a:t>
             </a:r>
             <a:endParaRPr lang="en-US" altLang="ja-JP" sz="2000" dirty="0"/>
           </a:p>
@@ -4359,88 +4468,250 @@
         <p:spPr/>
         <p:txBody>
           <a:bodyPr>
-            <a:normAutofit fontScale="92500" lnSpcReduction="20000"/>
+            <a:normAutofit fontScale="77500" lnSpcReduction="20000"/>
           </a:bodyPr>
           <a:lstStyle/>
           <a:p>
             <a:r>
-              <a:rPr kumimoji="1" lang="ja-JP" altLang="en-US" dirty="0"/>
+              <a:rPr lang="ja-JP" altLang="en-US" dirty="0">
+                <a:latin typeface="Meiryo UI" panose="020B0604030504040204" pitchFamily="50" charset="-128"/>
+                <a:ea typeface="Meiryo UI" panose="020B0604030504040204" pitchFamily="50" charset="-128"/>
+              </a:rPr>
+              <a:t>会社の正式課題ではなく、自主トレ課題のため、</a:t>
+            </a:r>
+            <a:br>
+              <a:rPr lang="en-US" altLang="ja-JP" dirty="0">
+                <a:latin typeface="Meiryo UI" panose="020B0604030504040204" pitchFamily="50" charset="-128"/>
+                <a:ea typeface="Meiryo UI" panose="020B0604030504040204" pitchFamily="50" charset="-128"/>
+              </a:rPr>
+            </a:br>
+            <a:r>
+              <a:rPr lang="ja-JP" altLang="en-US" dirty="0">
+                <a:latin typeface="Meiryo UI" panose="020B0604030504040204" pitchFamily="50" charset="-128"/>
+                <a:ea typeface="Meiryo UI" panose="020B0604030504040204" pitchFamily="50" charset="-128"/>
+              </a:rPr>
+              <a:t>提出義務はありません。</a:t>
+            </a:r>
+            <a:br>
+              <a:rPr lang="en-US" altLang="ja-JP" dirty="0">
+                <a:latin typeface="Meiryo UI" panose="020B0604030504040204" pitchFamily="50" charset="-128"/>
+                <a:ea typeface="Meiryo UI" panose="020B0604030504040204" pitchFamily="50" charset="-128"/>
+              </a:rPr>
+            </a:br>
+            <a:r>
+              <a:rPr lang="ja-JP" altLang="en-US" dirty="0">
+                <a:latin typeface="Meiryo UI" panose="020B0604030504040204" pitchFamily="50" charset="-128"/>
+                <a:ea typeface="Meiryo UI" panose="020B0604030504040204" pitchFamily="50" charset="-128"/>
+              </a:rPr>
+              <a:t>が、提出する場合は、以下の通りで提出してください。</a:t>
+            </a:r>
+            <a:br>
+              <a:rPr lang="en-US" altLang="ja-JP" dirty="0">
+                <a:latin typeface="Meiryo UI" panose="020B0604030504040204" pitchFamily="50" charset="-128"/>
+                <a:ea typeface="Meiryo UI" panose="020B0604030504040204" pitchFamily="50" charset="-128"/>
+              </a:rPr>
+            </a:br>
+            <a:r>
+              <a:rPr lang="ja-JP" altLang="en-US" dirty="0">
+                <a:latin typeface="Meiryo UI" panose="020B0604030504040204" pitchFamily="50" charset="-128"/>
+                <a:ea typeface="Meiryo UI" panose="020B0604030504040204" pitchFamily="50" charset="-128"/>
+              </a:rPr>
+              <a:t>時間があったらフィードバックします。</a:t>
+            </a:r>
+            <a:endParaRPr kumimoji="1" lang="en-US" altLang="ja-JP" dirty="0">
+              <a:latin typeface="Meiryo UI" panose="020B0604030504040204" pitchFamily="50" charset="-128"/>
+              <a:ea typeface="Meiryo UI" panose="020B0604030504040204" pitchFamily="50" charset="-128"/>
+            </a:endParaRPr>
+          </a:p>
+          <a:p>
+            <a:r>
+              <a:rPr kumimoji="1" lang="ja-JP" altLang="en-US" dirty="0">
+                <a:latin typeface="Meiryo UI" panose="020B0604030504040204" pitchFamily="50" charset="-128"/>
+                <a:ea typeface="Meiryo UI" panose="020B0604030504040204" pitchFamily="50" charset="-128"/>
+              </a:rPr>
               <a:t>提出先</a:t>
             </a:r>
-            <a:endParaRPr kumimoji="1" lang="en-US" altLang="ja-JP" dirty="0"/>
+            <a:endParaRPr kumimoji="1" lang="en-US" altLang="ja-JP" dirty="0">
+              <a:latin typeface="Meiryo UI" panose="020B0604030504040204" pitchFamily="50" charset="-128"/>
+              <a:ea typeface="Meiryo UI" panose="020B0604030504040204" pitchFamily="50" charset="-128"/>
+            </a:endParaRPr>
           </a:p>
           <a:p>
             <a:pPr lvl="1"/>
             <a:r>
+              <a:rPr kumimoji="1" lang="en-US" altLang="ja-JP" dirty="0">
+                <a:latin typeface="Meiryo UI" panose="020B0604030504040204" pitchFamily="50" charset="-128"/>
+                <a:ea typeface="Meiryo UI" panose="020B0604030504040204" pitchFamily="50" charset="-128"/>
+              </a:rPr>
+              <a:t>TO(</a:t>
+            </a:r>
+            <a:r>
+              <a:rPr kumimoji="1" lang="ja-JP" altLang="en-US" dirty="0">
+                <a:latin typeface="Meiryo UI" panose="020B0604030504040204" pitchFamily="50" charset="-128"/>
+                <a:ea typeface="Meiryo UI" panose="020B0604030504040204" pitchFamily="50" charset="-128"/>
+              </a:rPr>
+              <a:t>送信先</a:t>
+            </a:r>
+            <a:r>
+              <a:rPr kumimoji="1" lang="en-US" altLang="ja-JP" dirty="0">
+                <a:latin typeface="Meiryo UI" panose="020B0604030504040204" pitchFamily="50" charset="-128"/>
+                <a:ea typeface="Meiryo UI" panose="020B0604030504040204" pitchFamily="50" charset="-128"/>
+              </a:rPr>
+              <a:t>)</a:t>
+            </a:r>
+          </a:p>
+          <a:p>
+            <a:pPr lvl="2"/>
+            <a:r>
               <a:rPr lang="en-US" altLang="ja-JP" dirty="0">
+                <a:latin typeface="Meiryo UI" panose="020B0604030504040204" pitchFamily="50" charset="-128"/>
+                <a:ea typeface="Meiryo UI" panose="020B0604030504040204" pitchFamily="50" charset="-128"/>
                 <a:hlinkClick r:id="rId2"/>
               </a:rPr>
               <a:t>tkbfj573@yahoo.co.jp</a:t>
             </a:r>
-            <a:endParaRPr lang="en-US" altLang="ja-JP" dirty="0"/>
+            <a:endParaRPr lang="en-US" altLang="ja-JP" dirty="0">
+              <a:latin typeface="Meiryo UI" panose="020B0604030504040204" pitchFamily="50" charset="-128"/>
+              <a:ea typeface="Meiryo UI" panose="020B0604030504040204" pitchFamily="50" charset="-128"/>
+            </a:endParaRPr>
+          </a:p>
+          <a:p>
+            <a:pPr lvl="2"/>
+            <a:r>
+              <a:rPr lang="ja-JP" altLang="en-US" dirty="0">
+                <a:latin typeface="Meiryo UI" panose="020B0604030504040204" pitchFamily="50" charset="-128"/>
+                <a:ea typeface="Meiryo UI" panose="020B0604030504040204" pitchFamily="50" charset="-128"/>
+              </a:rPr>
+              <a:t>会社の私のメールアドレス先</a:t>
+            </a:r>
+            <a:endParaRPr lang="en-US" altLang="ja-JP" dirty="0">
+              <a:latin typeface="Meiryo UI" panose="020B0604030504040204" pitchFamily="50" charset="-128"/>
+              <a:ea typeface="Meiryo UI" panose="020B0604030504040204" pitchFamily="50" charset="-128"/>
+            </a:endParaRPr>
           </a:p>
           <a:p>
             <a:pPr lvl="1"/>
             <a:r>
-              <a:rPr kumimoji="1" lang="ja-JP" altLang="en-US" sz="2000" dirty="0"/>
-              <a:t>タイトルは「</a:t>
-            </a:r>
-            <a:r>
-              <a:rPr kumimoji="1" lang="en-US" altLang="ja-JP" sz="2000" dirty="0"/>
+              <a:rPr kumimoji="1" lang="ja-JP" altLang="en-US" sz="2000" dirty="0">
+                <a:latin typeface="Meiryo UI" panose="020B0604030504040204" pitchFamily="50" charset="-128"/>
+                <a:ea typeface="Meiryo UI" panose="020B0604030504040204" pitchFamily="50" charset="-128"/>
+              </a:rPr>
+              <a:t>タイトル</a:t>
+            </a:r>
+            <a:r>
+              <a:rPr lang="ja-JP" altLang="en-US" sz="2000" dirty="0">
+                <a:latin typeface="Meiryo UI" panose="020B0604030504040204" pitchFamily="50" charset="-128"/>
+                <a:ea typeface="Meiryo UI" panose="020B0604030504040204" pitchFamily="50" charset="-128"/>
+              </a:rPr>
+              <a:t>：</a:t>
+            </a:r>
+            <a:r>
+              <a:rPr kumimoji="1" lang="ja-JP" altLang="en-US" sz="2000" dirty="0">
+                <a:latin typeface="Meiryo UI" panose="020B0604030504040204" pitchFamily="50" charset="-128"/>
+                <a:ea typeface="Meiryo UI" panose="020B0604030504040204" pitchFamily="50" charset="-128"/>
+              </a:rPr>
+              <a:t>「</a:t>
+            </a:r>
+            <a:r>
+              <a:rPr kumimoji="1" lang="en-US" altLang="ja-JP" sz="2000" dirty="0">
+                <a:latin typeface="Meiryo UI" panose="020B0604030504040204" pitchFamily="50" charset="-128"/>
+                <a:ea typeface="Meiryo UI" panose="020B0604030504040204" pitchFamily="50" charset="-128"/>
+              </a:rPr>
               <a:t>【</a:t>
             </a:r>
             <a:r>
-              <a:rPr lang="ja-JP" altLang="en-US" sz="2000" dirty="0"/>
+              <a:rPr lang="ja-JP" altLang="en-US" sz="2000" dirty="0">
+                <a:latin typeface="Meiryo UI" panose="020B0604030504040204" pitchFamily="50" charset="-128"/>
+                <a:ea typeface="Meiryo UI" panose="020B0604030504040204" pitchFamily="50" charset="-128"/>
+              </a:rPr>
               <a:t>実装課題</a:t>
             </a:r>
             <a:r>
-              <a:rPr lang="en-US" altLang="ja-JP" sz="2000" dirty="0"/>
+              <a:rPr lang="en-US" altLang="ja-JP" sz="2000" dirty="0">
+                <a:latin typeface="Meiryo UI" panose="020B0604030504040204" pitchFamily="50" charset="-128"/>
+                <a:ea typeface="Meiryo UI" panose="020B0604030504040204" pitchFamily="50" charset="-128"/>
+              </a:rPr>
               <a:t>】Web</a:t>
             </a:r>
             <a:r>
-              <a:rPr lang="ja-JP" altLang="en-US" sz="2000" dirty="0"/>
+              <a:rPr lang="ja-JP" altLang="en-US" sz="2000" dirty="0">
+                <a:latin typeface="Meiryo UI" panose="020B0604030504040204" pitchFamily="50" charset="-128"/>
+                <a:ea typeface="Meiryo UI" panose="020B0604030504040204" pitchFamily="50" charset="-128"/>
+              </a:rPr>
               <a:t>アプリ</a:t>
             </a:r>
             <a:r>
-              <a:rPr kumimoji="1" lang="ja-JP" altLang="en-US" sz="2000" dirty="0"/>
+              <a:rPr kumimoji="1" lang="ja-JP" altLang="en-US" sz="2000" dirty="0">
+                <a:latin typeface="Meiryo UI" panose="020B0604030504040204" pitchFamily="50" charset="-128"/>
+                <a:ea typeface="Meiryo UI" panose="020B0604030504040204" pitchFamily="50" charset="-128"/>
+              </a:rPr>
               <a:t>」でお願いします。</a:t>
             </a:r>
-            <a:endParaRPr kumimoji="1" lang="en-US" altLang="ja-JP" sz="2000" dirty="0"/>
+            <a:endParaRPr kumimoji="1" lang="en-US" altLang="ja-JP" sz="2000" dirty="0">
+              <a:latin typeface="Meiryo UI" panose="020B0604030504040204" pitchFamily="50" charset="-128"/>
+              <a:ea typeface="Meiryo UI" panose="020B0604030504040204" pitchFamily="50" charset="-128"/>
+            </a:endParaRPr>
           </a:p>
           <a:p>
             <a:pPr lvl="1"/>
             <a:r>
-              <a:rPr lang="en-US" altLang="ja-JP" sz="2000" dirty="0"/>
+              <a:rPr lang="en-US" altLang="ja-JP" sz="2000" dirty="0">
+                <a:latin typeface="Meiryo UI" panose="020B0604030504040204" pitchFamily="50" charset="-128"/>
+                <a:ea typeface="Meiryo UI" panose="020B0604030504040204" pitchFamily="50" charset="-128"/>
+              </a:rPr>
               <a:t>Eclipse</a:t>
             </a:r>
             <a:r>
-              <a:rPr lang="ja-JP" altLang="en-US" sz="2000" dirty="0"/>
+              <a:rPr lang="ja-JP" altLang="en-US" sz="2000" dirty="0">
+                <a:latin typeface="Meiryo UI" panose="020B0604030504040204" pitchFamily="50" charset="-128"/>
+                <a:ea typeface="Meiryo UI" panose="020B0604030504040204" pitchFamily="50" charset="-128"/>
+              </a:rPr>
               <a:t>プロジェクトをアーカイブ（</a:t>
             </a:r>
             <a:r>
-              <a:rPr lang="en-US" altLang="ja-JP" sz="2000" dirty="0"/>
+              <a:rPr lang="en-US" altLang="ja-JP" sz="2000" dirty="0">
+                <a:latin typeface="Meiryo UI" panose="020B0604030504040204" pitchFamily="50" charset="-128"/>
+                <a:ea typeface="Meiryo UI" panose="020B0604030504040204" pitchFamily="50" charset="-128"/>
+              </a:rPr>
               <a:t>zip</a:t>
             </a:r>
             <a:r>
-              <a:rPr lang="ja-JP" altLang="en-US" sz="2000" dirty="0"/>
+              <a:rPr lang="ja-JP" altLang="en-US" sz="2000" dirty="0">
+                <a:latin typeface="Meiryo UI" panose="020B0604030504040204" pitchFamily="50" charset="-128"/>
+                <a:ea typeface="Meiryo UI" panose="020B0604030504040204" pitchFamily="50" charset="-128"/>
+              </a:rPr>
               <a:t>でエクスポート）でください。</a:t>
             </a:r>
-            <a:endParaRPr kumimoji="1" lang="en-US" altLang="ja-JP" dirty="0"/>
-          </a:p>
-          <a:p>
-            <a:r>
-              <a:rPr kumimoji="1" lang="ja-JP" altLang="en-US" dirty="0"/>
+            <a:endParaRPr kumimoji="1" lang="en-US" altLang="ja-JP" dirty="0">
+              <a:latin typeface="Meiryo UI" panose="020B0604030504040204" pitchFamily="50" charset="-128"/>
+              <a:ea typeface="Meiryo UI" panose="020B0604030504040204" pitchFamily="50" charset="-128"/>
+            </a:endParaRPr>
+          </a:p>
+          <a:p>
+            <a:r>
+              <a:rPr kumimoji="1" lang="ja-JP" altLang="en-US" dirty="0">
+                <a:latin typeface="Meiryo UI" panose="020B0604030504040204" pitchFamily="50" charset="-128"/>
+                <a:ea typeface="Meiryo UI" panose="020B0604030504040204" pitchFamily="50" charset="-128"/>
+              </a:rPr>
               <a:t>ギブアップしたとき</a:t>
             </a:r>
-            <a:endParaRPr kumimoji="1" lang="en-US" altLang="ja-JP" dirty="0"/>
+            <a:endParaRPr kumimoji="1" lang="en-US" altLang="ja-JP" dirty="0">
+              <a:latin typeface="Meiryo UI" panose="020B0604030504040204" pitchFamily="50" charset="-128"/>
+              <a:ea typeface="Meiryo UI" panose="020B0604030504040204" pitchFamily="50" charset="-128"/>
+            </a:endParaRPr>
           </a:p>
           <a:p>
             <a:pPr lvl="1"/>
             <a:r>
-              <a:rPr lang="ja-JP" altLang="en-US" dirty="0"/>
+              <a:rPr lang="ja-JP" altLang="en-US" dirty="0">
+                <a:latin typeface="Meiryo UI" panose="020B0604030504040204" pitchFamily="50" charset="-128"/>
+                <a:ea typeface="Meiryo UI" panose="020B0604030504040204" pitchFamily="50" charset="-128"/>
+              </a:rPr>
               <a:t>以下に解答例を掲載しています。</a:t>
             </a:r>
             <a:endParaRPr lang="en-US" altLang="ja-JP" dirty="0">
+              <a:latin typeface="Meiryo UI" panose="020B0604030504040204" pitchFamily="50" charset="-128"/>
+              <a:ea typeface="Meiryo UI" panose="020B0604030504040204" pitchFamily="50" charset="-128"/>
               <a:hlinkClick r:id="rId3"/>
             </a:endParaRPr>
           </a:p>
@@ -4448,40 +4719,29 @@
             <a:pPr lvl="1"/>
             <a:r>
               <a:rPr lang="en-US" altLang="ja-JP" dirty="0">
+                <a:latin typeface="Meiryo UI" panose="020B0604030504040204" pitchFamily="50" charset="-128"/>
+                <a:ea typeface="Meiryo UI" panose="020B0604030504040204" pitchFamily="50" charset="-128"/>
                 <a:hlinkClick r:id="rId3"/>
               </a:rPr>
               <a:t>https://github.com/konbukonbu/mywork</a:t>
             </a:r>
             <a:br>
-              <a:rPr lang="en-US" altLang="ja-JP" dirty="0"/>
+              <a:rPr lang="en-US" altLang="ja-JP" dirty="0">
+                <a:latin typeface="Meiryo UI" panose="020B0604030504040204" pitchFamily="50" charset="-128"/>
+                <a:ea typeface="Meiryo UI" panose="020B0604030504040204" pitchFamily="50" charset="-128"/>
+              </a:rPr>
             </a:br>
             <a:r>
-              <a:rPr lang="en-US" altLang="ja-JP" dirty="0" err="1"/>
+              <a:rPr lang="en-US" altLang="ja-JP" dirty="0" err="1">
+                <a:latin typeface="Meiryo UI" panose="020B0604030504040204" pitchFamily="50" charset="-128"/>
+                <a:ea typeface="Meiryo UI" panose="020B0604030504040204" pitchFamily="50" charset="-128"/>
+              </a:rPr>
               <a:t>PracticeWebApp</a:t>
             </a:r>
-            <a:endParaRPr lang="en-US" altLang="ja-JP" dirty="0"/>
-          </a:p>
-          <a:p>
-            <a:r>
-              <a:rPr kumimoji="1" lang="ja-JP" altLang="en-US" dirty="0"/>
-              <a:t>その他</a:t>
-            </a:r>
-            <a:endParaRPr kumimoji="1" lang="en-US" altLang="ja-JP" dirty="0"/>
-          </a:p>
-          <a:p>
-            <a:pPr lvl="1"/>
-            <a:r>
-              <a:rPr lang="ja-JP" altLang="en-US" dirty="0"/>
-              <a:t>会社の正式な課題ではないので、原則、</a:t>
-            </a:r>
-            <a:br>
-              <a:rPr lang="en-US" altLang="ja-JP" dirty="0"/>
-            </a:br>
-            <a:r>
-              <a:rPr lang="ja-JP" altLang="en-US" dirty="0"/>
-              <a:t>業務外時間で実装してください。</a:t>
-            </a:r>
-            <a:endParaRPr kumimoji="1" lang="ja-JP" altLang="en-US" dirty="0"/>
+            <a:endParaRPr lang="en-US" altLang="ja-JP" dirty="0">
+              <a:latin typeface="Meiryo UI" panose="020B0604030504040204" pitchFamily="50" charset="-128"/>
+              <a:ea typeface="Meiryo UI" panose="020B0604030504040204" pitchFamily="50" charset="-128"/>
+            </a:endParaRPr>
           </a:p>
         </p:txBody>
       </p:sp>
@@ -4546,7 +4806,7 @@
           <p:nvPr/>
         </p:nvPicPr>
         <p:blipFill>
-          <a:blip r:embed="rId2">
+          <a:blip r:embed="rId3">
             <a:extLst>
               <a:ext uri="{28A0092B-C50C-407E-A947-70E740481C1C}">
                 <a14:useLocalDpi xmlns:a14="http://schemas.microsoft.com/office/drawing/2010/main" val="0"/>
@@ -6090,8 +6350,20 @@
           <a:lstStyle/>
           <a:p>
             <a:r>
+              <a:rPr lang="ja-JP" altLang="en-US" dirty="0"/>
+              <a:t>掲示板</a:t>
+            </a:r>
+            <a:r>
               <a:rPr kumimoji="1" lang="ja-JP" altLang="en-US" dirty="0"/>
-              <a:t>メッセージ一覧画面（入力エラー）</a:t>
+              <a:t>一覧画面（</a:t>
+            </a:r>
+            <a:r>
+              <a:rPr lang="ja-JP" altLang="en-US" dirty="0"/>
+              <a:t>異常</a:t>
+            </a:r>
+            <a:r>
+              <a:rPr kumimoji="1" lang="ja-JP" altLang="en-US" dirty="0"/>
+              <a:t>）</a:t>
             </a:r>
           </a:p>
         </p:txBody>
